--- a/fig/logo/logo.pptx
+++ b/fig/logo/logo.pptx
@@ -104,6 +104,11 @@
       </a:defRPr>
     </a:lvl9pPr>
   </p:defaultTextStyle>
+  <p:extLst>
+    <p:ext uri="{EFAFB233-063F-42B5-8137-9DF3F51BA10A}">
+      <p15:sldGuideLst xmlns:p15="http://schemas.microsoft.com/office/powerpoint/2012/main"/>
+    </p:ext>
+  </p:extLst>
 </p:presentation>
 </file>
 
@@ -238,7 +243,7 @@
           <a:p>
             <a:fld id="{BA438069-A6AB-394C-8700-0E131F2064E9}" type="datetimeFigureOut">
               <a:rPr lang="en-US" smtClean="0"/>
-              <a:t>12/26/24</a:t>
+              <a:t>12/27/24</a:t>
             </a:fld>
             <a:endParaRPr lang="en-US"/>
           </a:p>
@@ -408,7 +413,7 @@
           <a:p>
             <a:fld id="{BA438069-A6AB-394C-8700-0E131F2064E9}" type="datetimeFigureOut">
               <a:rPr lang="en-US" smtClean="0"/>
-              <a:t>12/26/24</a:t>
+              <a:t>12/27/24</a:t>
             </a:fld>
             <a:endParaRPr lang="en-US"/>
           </a:p>
@@ -588,7 +593,7 @@
           <a:p>
             <a:fld id="{BA438069-A6AB-394C-8700-0E131F2064E9}" type="datetimeFigureOut">
               <a:rPr lang="en-US" smtClean="0"/>
-              <a:t>12/26/24</a:t>
+              <a:t>12/27/24</a:t>
             </a:fld>
             <a:endParaRPr lang="en-US"/>
           </a:p>
@@ -758,7 +763,7 @@
           <a:p>
             <a:fld id="{BA438069-A6AB-394C-8700-0E131F2064E9}" type="datetimeFigureOut">
               <a:rPr lang="en-US" smtClean="0"/>
-              <a:t>12/26/24</a:t>
+              <a:t>12/27/24</a:t>
             </a:fld>
             <a:endParaRPr lang="en-US"/>
           </a:p>
@@ -1004,7 +1009,7 @@
           <a:p>
             <a:fld id="{BA438069-A6AB-394C-8700-0E131F2064E9}" type="datetimeFigureOut">
               <a:rPr lang="en-US" smtClean="0"/>
-              <a:t>12/26/24</a:t>
+              <a:t>12/27/24</a:t>
             </a:fld>
             <a:endParaRPr lang="en-US"/>
           </a:p>
@@ -1236,7 +1241,7 @@
           <a:p>
             <a:fld id="{BA438069-A6AB-394C-8700-0E131F2064E9}" type="datetimeFigureOut">
               <a:rPr lang="en-US" smtClean="0"/>
-              <a:t>12/26/24</a:t>
+              <a:t>12/27/24</a:t>
             </a:fld>
             <a:endParaRPr lang="en-US"/>
           </a:p>
@@ -1603,7 +1608,7 @@
           <a:p>
             <a:fld id="{BA438069-A6AB-394C-8700-0E131F2064E9}" type="datetimeFigureOut">
               <a:rPr lang="en-US" smtClean="0"/>
-              <a:t>12/26/24</a:t>
+              <a:t>12/27/24</a:t>
             </a:fld>
             <a:endParaRPr lang="en-US"/>
           </a:p>
@@ -1721,7 +1726,7 @@
           <a:p>
             <a:fld id="{BA438069-A6AB-394C-8700-0E131F2064E9}" type="datetimeFigureOut">
               <a:rPr lang="en-US" smtClean="0"/>
-              <a:t>12/26/24</a:t>
+              <a:t>12/27/24</a:t>
             </a:fld>
             <a:endParaRPr lang="en-US"/>
           </a:p>
@@ -1816,7 +1821,7 @@
           <a:p>
             <a:fld id="{BA438069-A6AB-394C-8700-0E131F2064E9}" type="datetimeFigureOut">
               <a:rPr lang="en-US" smtClean="0"/>
-              <a:t>12/26/24</a:t>
+              <a:t>12/27/24</a:t>
             </a:fld>
             <a:endParaRPr lang="en-US"/>
           </a:p>
@@ -2093,7 +2098,7 @@
           <a:p>
             <a:fld id="{BA438069-A6AB-394C-8700-0E131F2064E9}" type="datetimeFigureOut">
               <a:rPr lang="en-US" smtClean="0"/>
-              <a:t>12/26/24</a:t>
+              <a:t>12/27/24</a:t>
             </a:fld>
             <a:endParaRPr lang="en-US"/>
           </a:p>
@@ -2350,7 +2355,7 @@
           <a:p>
             <a:fld id="{BA438069-A6AB-394C-8700-0E131F2064E9}" type="datetimeFigureOut">
               <a:rPr lang="en-US" smtClean="0"/>
-              <a:t>12/26/24</a:t>
+              <a:t>12/27/24</a:t>
             </a:fld>
             <a:endParaRPr lang="en-US"/>
           </a:p>
@@ -2563,7 +2568,7 @@
           <a:p>
             <a:fld id="{BA438069-A6AB-394C-8700-0E131F2064E9}" type="datetimeFigureOut">
               <a:rPr lang="en-US" smtClean="0"/>
-              <a:t>12/26/24</a:t>
+              <a:t>12/27/24</a:t>
             </a:fld>
             <a:endParaRPr lang="en-US"/>
           </a:p>
@@ -2970,10 +2975,10 @@
       </p:grpSpPr>
       <p:sp>
         <p:nvSpPr>
-          <p:cNvPr id="4" name="Oval 3">
+          <p:cNvPr id="2" name="Oval 1">
             <a:extLst>
               <a:ext uri="{FF2B5EF4-FFF2-40B4-BE49-F238E27FC236}">
-                <a16:creationId xmlns:a16="http://schemas.microsoft.com/office/drawing/2014/main" id="{CDB169F5-0DB1-5F3D-97C4-8F43F0FA5CF9}"/>
+                <a16:creationId xmlns:a16="http://schemas.microsoft.com/office/drawing/2014/main" id="{EC5DFAF3-0F59-22E5-AE13-0C89134C62B6}"/>
               </a:ext>
             </a:extLst>
           </p:cNvPr>
@@ -2982,34 +2987,40 @@
         </p:nvSpPr>
         <p:spPr>
           <a:xfrm>
-            <a:off x="0" y="0"/>
-            <a:ext cx="5486400" cy="5486400"/>
+            <a:off x="91439" y="91391"/>
+            <a:ext cx="5303520" cy="5303520"/>
           </a:xfrm>
           <a:prstGeom prst="ellipse">
             <a:avLst/>
           </a:prstGeom>
-          <a:blipFill dpi="0" rotWithShape="1">
-            <a:blip r:embed="rId2">
-              <a:extLst>
-                <a:ext uri="{BEBA8EAE-BF5A-486C-A8C5-ECC9F3942E4B}">
-                  <a14:imgProps xmlns:a14="http://schemas.microsoft.com/office/drawing/2010/main">
-                    <a14:imgLayer r:embed="rId3">
-                      <a14:imgEffect>
-                        <a14:artisticPaintStrokes trans="60000" intensity="10"/>
-                      </a14:imgEffect>
-                    </a14:imgLayer>
-                  </a14:imgProps>
-                </a:ext>
-                <a:ext uri="{28A0092B-C50C-407E-A947-70E740481C1C}">
-                  <a14:useLocalDpi xmlns:a14="http://schemas.microsoft.com/office/drawing/2010/main" val="0"/>
-                </a:ext>
-              </a:extLst>
-            </a:blip>
-            <a:srcRect/>
-            <a:stretch>
-              <a:fillRect/>
-            </a:stretch>
-          </a:blipFill>
+          <a:gradFill flip="none" rotWithShape="1">
+            <a:gsLst>
+              <a:gs pos="0">
+                <a:srgbClr val="011D31"/>
+              </a:gs>
+              <a:gs pos="44000">
+                <a:srgbClr val="011D31"/>
+              </a:gs>
+              <a:gs pos="100000">
+                <a:schemeClr val="accent4"/>
+              </a:gs>
+            </a:gsLst>
+            <a:path path="circle">
+              <a:fillToRect l="50000" t="50000" r="50000" b="50000"/>
+            </a:path>
+            <a:tileRect/>
+          </a:gradFill>
+          <a:ln>
+            <a:noFill/>
+          </a:ln>
+          <a:effectLst>
+            <a:glow rad="382970">
+              <a:schemeClr val="accent1">
+                <a:alpha val="50025"/>
+              </a:schemeClr>
+            </a:glow>
+            <a:softEdge rad="0"/>
+          </a:effectLst>
         </p:spPr>
         <p:style>
           <a:lnRef idx="2">
@@ -3038,6 +3049,71 @@
       </p:sp>
       <p:sp>
         <p:nvSpPr>
+          <p:cNvPr id="4" name="Oval 3">
+            <a:extLst>
+              <a:ext uri="{FF2B5EF4-FFF2-40B4-BE49-F238E27FC236}">
+                <a16:creationId xmlns:a16="http://schemas.microsoft.com/office/drawing/2014/main" id="{CDB169F5-0DB1-5F3D-97C4-8F43F0FA5CF9}"/>
+              </a:ext>
+            </a:extLst>
+          </p:cNvPr>
+          <p:cNvSpPr/>
+          <p:nvPr/>
+        </p:nvSpPr>
+        <p:spPr>
+          <a:xfrm>
+            <a:off x="0" y="0"/>
+            <a:ext cx="5486400" cy="5486400"/>
+          </a:xfrm>
+          <a:prstGeom prst="ellipse">
+            <a:avLst/>
+          </a:prstGeom>
+          <a:blipFill dpi="0" rotWithShape="1">
+            <a:blip r:embed="rId2">
+              <a:extLst>
+                <a:ext uri="{28A0092B-C50C-407E-A947-70E740481C1C}">
+                  <a14:useLocalDpi xmlns:a14="http://schemas.microsoft.com/office/drawing/2010/main" val="0"/>
+                </a:ext>
+              </a:extLst>
+            </a:blip>
+            <a:srcRect/>
+            <a:stretch>
+              <a:fillRect/>
+            </a:stretch>
+          </a:blipFill>
+          <a:ln>
+            <a:noFill/>
+          </a:ln>
+          <a:effectLst>
+            <a:softEdge rad="97042"/>
+          </a:effectLst>
+        </p:spPr>
+        <p:style>
+          <a:lnRef idx="2">
+            <a:schemeClr val="accent1">
+              <a:shade val="15000"/>
+            </a:schemeClr>
+          </a:lnRef>
+          <a:fillRef idx="1">
+            <a:schemeClr val="accent1"/>
+          </a:fillRef>
+          <a:effectRef idx="0">
+            <a:schemeClr val="accent1"/>
+          </a:effectRef>
+          <a:fontRef idx="minor">
+            <a:schemeClr val="lt1"/>
+          </a:fontRef>
+        </p:style>
+        <p:txBody>
+          <a:bodyPr rtlCol="0" anchor="ctr"/>
+          <a:lstStyle/>
+          <a:p>
+            <a:pPr algn="ctr"/>
+            <a:endParaRPr lang="en-US"/>
+          </a:p>
+        </p:txBody>
+      </p:sp>
+      <p:sp>
+        <p:nvSpPr>
           <p:cNvPr id="7" name="Freeform 6">
             <a:extLst>
               <a:ext uri="{FF2B5EF4-FFF2-40B4-BE49-F238E27FC236}">
@@ -3050,8 +3126,8 @@
         </p:nvSpPr>
         <p:spPr>
           <a:xfrm>
-            <a:off x="17931" y="17828"/>
-            <a:ext cx="4082042" cy="5450646"/>
+            <a:off x="17931" y="91390"/>
+            <a:ext cx="4082932" cy="5377083"/>
           </a:xfrm>
           <a:custGeom>
             <a:avLst/>
@@ -3728,6 +3804,34 @@
               <a:gd name="connsiteY5" fmla="*/ 1311323 h 5155744"/>
               <a:gd name="connsiteX6" fmla="*/ 2677271 w 4034041"/>
               <a:gd name="connsiteY6" fmla="*/ 100 h 5155744"/>
+              <a:gd name="connsiteX0" fmla="*/ 2677271 w 4036160"/>
+              <a:gd name="connsiteY0" fmla="*/ 100 h 5155744"/>
+              <a:gd name="connsiteX1" fmla="*/ 5790 w 4036160"/>
+              <a:gd name="connsiteY1" fmla="*/ 2601755 h 5155744"/>
+              <a:gd name="connsiteX2" fmla="*/ 2766919 w 4036160"/>
+              <a:gd name="connsiteY2" fmla="*/ 5155744 h 5155744"/>
+              <a:gd name="connsiteX3" fmla="*/ 4030942 w 4036160"/>
+              <a:gd name="connsiteY3" fmla="*/ 3756279 h 5155744"/>
+              <a:gd name="connsiteX4" fmla="*/ 2587625 w 4036160"/>
+              <a:gd name="connsiteY4" fmla="*/ 2430473 h 5155744"/>
+              <a:gd name="connsiteX5" fmla="*/ 1341531 w 4036160"/>
+              <a:gd name="connsiteY5" fmla="*/ 1311323 h 5155744"/>
+              <a:gd name="connsiteX6" fmla="*/ 2677271 w 4036160"/>
+              <a:gd name="connsiteY6" fmla="*/ 100 h 5155744"/>
+              <a:gd name="connsiteX0" fmla="*/ 2677271 w 4034921"/>
+              <a:gd name="connsiteY0" fmla="*/ 100 h 5155744"/>
+              <a:gd name="connsiteX1" fmla="*/ 5790 w 4034921"/>
+              <a:gd name="connsiteY1" fmla="*/ 2601755 h 5155744"/>
+              <a:gd name="connsiteX2" fmla="*/ 2766919 w 4034921"/>
+              <a:gd name="connsiteY2" fmla="*/ 5155744 h 5155744"/>
+              <a:gd name="connsiteX3" fmla="*/ 4030942 w 4034921"/>
+              <a:gd name="connsiteY3" fmla="*/ 3756279 h 5155744"/>
+              <a:gd name="connsiteX4" fmla="*/ 2587625 w 4034921"/>
+              <a:gd name="connsiteY4" fmla="*/ 2430473 h 5155744"/>
+              <a:gd name="connsiteX5" fmla="*/ 1341531 w 4034921"/>
+              <a:gd name="connsiteY5" fmla="*/ 1311323 h 5155744"/>
+              <a:gd name="connsiteX6" fmla="*/ 2677271 w 4034921"/>
+              <a:gd name="connsiteY6" fmla="*/ 100 h 5155744"/>
             </a:gdLst>
             <a:ahLst/>
             <a:cxnLst>
@@ -3755,7 +3859,7 @@
             </a:cxnLst>
             <a:rect l="l" t="t" r="r" b="b"/>
             <a:pathLst>
-              <a:path w="4034041" h="5155744">
+              <a:path w="4034921" h="5155744">
                 <a:moveTo>
                   <a:pt x="2677271" y="100"/>
                 </a:moveTo>
@@ -3770,7 +3874,7 @@
                   <a:pt x="2766919" y="5155744"/>
                 </a:cubicBezTo>
                 <a:cubicBezTo>
-                  <a:pt x="4001060" y="4983320"/>
+                  <a:pt x="4036498" y="5086469"/>
                   <a:pt x="4051860" y="3972122"/>
                   <a:pt x="4030942" y="3756279"/>
                 </a:cubicBezTo>
@@ -3794,13 +3898,13 @@
             </a:pathLst>
           </a:custGeom>
           <a:blipFill dpi="0" rotWithShape="1">
-            <a:blip r:embed="rId4">
+            <a:blip r:embed="rId3">
               <a:extLst>
                 <a:ext uri="{BEBA8EAE-BF5A-486C-A8C5-ECC9F3942E4B}">
                   <a14:imgProps xmlns:a14="http://schemas.microsoft.com/office/drawing/2010/main">
-                    <a14:imgLayer r:embed="rId5">
+                    <a14:imgLayer r:embed="rId4">
                       <a14:imgEffect>
-                        <a14:artisticPhotocopy trans="0"/>
+                        <a14:artisticPhotocopy trans="0" detail="1"/>
                       </a14:imgEffect>
                     </a14:imgLayer>
                   </a14:imgProps>
@@ -3818,6 +3922,12 @@
           <a:ln>
             <a:noFill/>
           </a:ln>
+          <a:effectLst>
+            <a:outerShdw dist="38100" dir="5400000" algn="t" rotWithShape="0">
+              <a:srgbClr val="011D31"/>
+            </a:outerShdw>
+            <a:softEdge rad="176973"/>
+          </a:effectLst>
         </p:spPr>
         <p:style>
           <a:lnRef idx="2">
@@ -3865,8 +3975,17 @@
             <a:avLst/>
           </a:prstGeom>
           <a:blipFill dpi="0" rotWithShape="1">
-            <a:blip r:embed="rId6">
+            <a:blip r:embed="rId5">
               <a:extLst>
+                <a:ext uri="{BEBA8EAE-BF5A-486C-A8C5-ECC9F3942E4B}">
+                  <a14:imgProps xmlns:a14="http://schemas.microsoft.com/office/drawing/2010/main">
+                    <a14:imgLayer r:embed="rId6">
+                      <a14:imgEffect>
+                        <a14:artisticChalkSketch pressure="4"/>
+                      </a14:imgEffect>
+                    </a14:imgLayer>
+                  </a14:imgProps>
+                </a:ext>
                 <a:ext uri="{28A0092B-C50C-407E-A947-70E740481C1C}">
                   <a14:useLocalDpi xmlns:a14="http://schemas.microsoft.com/office/drawing/2010/main" val="0"/>
                 </a:ext>
@@ -3878,10 +3997,11 @@
             </a:stretch>
           </a:blipFill>
           <a:ln>
-            <a:solidFill>
-              <a:schemeClr val="bg1"/>
-            </a:solidFill>
+            <a:noFill/>
           </a:ln>
+          <a:effectLst>
+            <a:softEdge rad="25400"/>
+          </a:effectLst>
         </p:spPr>
         <p:style>
           <a:lnRef idx="2">
@@ -3931,15 +4051,6 @@
           <a:blipFill dpi="0" rotWithShape="1">
             <a:blip r:embed="rId7">
               <a:extLst>
-                <a:ext uri="{BEBA8EAE-BF5A-486C-A8C5-ECC9F3942E4B}">
-                  <a14:imgProps xmlns:a14="http://schemas.microsoft.com/office/drawing/2010/main">
-                    <a14:imgLayer r:embed="rId8">
-                      <a14:imgEffect>
-                        <a14:artisticPaintStrokes trans="60000" intensity="10"/>
-                      </a14:imgEffect>
-                    </a14:imgLayer>
-                  </a14:imgProps>
-                </a:ext>
                 <a:ext uri="{28A0092B-C50C-407E-A947-70E740481C1C}">
                   <a14:useLocalDpi xmlns:a14="http://schemas.microsoft.com/office/drawing/2010/main" val="0"/>
                 </a:ext>
@@ -3950,6 +4061,12 @@
               <a:fillRect/>
             </a:stretch>
           </a:blipFill>
+          <a:ln>
+            <a:noFill/>
+          </a:ln>
+          <a:effectLst>
+            <a:softEdge rad="25400"/>
+          </a:effectLst>
         </p:spPr>
         <p:style>
           <a:lnRef idx="2">
